--- a/15- Cenarios Operacionais.pptx
+++ b/15- Cenarios Operacionais.pptx
@@ -109,7 +109,7 @@
   </p:defaultTextStyle>
   <p:extLst>
     <p:ext uri="{EFAFB233-063F-42B5-8137-9DF3F51BA10A}">
-      <p15:sldGuideLst xmlns:p15="http://schemas.microsoft.com/office/powerpoint/2012/main">
+      <p15:sldGuideLst xmlns="" xmlns:p15="http://schemas.microsoft.com/office/powerpoint/2012/main">
         <p15:guide id="1" orient="horz" pos="2160">
           <p15:clr>
             <a:srgbClr val="A4A3A4"/>
@@ -338,7 +338,7 @@
     </p:spTree>
     <p:extLst>
       <p:ext uri="{BB962C8B-B14F-4D97-AF65-F5344CB8AC3E}">
-        <p14:creationId xmlns:p14="http://schemas.microsoft.com/office/powerpoint/2010/main" val="2513716046"/>
+        <p14:creationId xmlns="" xmlns:p14="http://schemas.microsoft.com/office/powerpoint/2010/main" val="2513716046"/>
       </p:ext>
     </p:extLst>
   </p:cSld>
@@ -538,7 +538,7 @@
     </p:spTree>
     <p:extLst>
       <p:ext uri="{BB962C8B-B14F-4D97-AF65-F5344CB8AC3E}">
-        <p14:creationId xmlns:p14="http://schemas.microsoft.com/office/powerpoint/2010/main" val="1364242767"/>
+        <p14:creationId xmlns="" xmlns:p14="http://schemas.microsoft.com/office/powerpoint/2010/main" val="1364242767"/>
       </p:ext>
     </p:extLst>
   </p:cSld>
@@ -748,7 +748,7 @@
     </p:spTree>
     <p:extLst>
       <p:ext uri="{BB962C8B-B14F-4D97-AF65-F5344CB8AC3E}">
-        <p14:creationId xmlns:p14="http://schemas.microsoft.com/office/powerpoint/2010/main" val="2553972579"/>
+        <p14:creationId xmlns="" xmlns:p14="http://schemas.microsoft.com/office/powerpoint/2010/main" val="2553972579"/>
       </p:ext>
     </p:extLst>
   </p:cSld>
@@ -948,7 +948,7 @@
     </p:spTree>
     <p:extLst>
       <p:ext uri="{BB962C8B-B14F-4D97-AF65-F5344CB8AC3E}">
-        <p14:creationId xmlns:p14="http://schemas.microsoft.com/office/powerpoint/2010/main" val="3501293911"/>
+        <p14:creationId xmlns="" xmlns:p14="http://schemas.microsoft.com/office/powerpoint/2010/main" val="3501293911"/>
       </p:ext>
     </p:extLst>
   </p:cSld>
@@ -1225,7 +1225,7 @@
     </p:spTree>
     <p:extLst>
       <p:ext uri="{BB962C8B-B14F-4D97-AF65-F5344CB8AC3E}">
-        <p14:creationId xmlns:p14="http://schemas.microsoft.com/office/powerpoint/2010/main" val="3024943026"/>
+        <p14:creationId xmlns="" xmlns:p14="http://schemas.microsoft.com/office/powerpoint/2010/main" val="3024943026"/>
       </p:ext>
     </p:extLst>
   </p:cSld>
@@ -1492,7 +1492,7 @@
     </p:spTree>
     <p:extLst>
       <p:ext uri="{BB962C8B-B14F-4D97-AF65-F5344CB8AC3E}">
-        <p14:creationId xmlns:p14="http://schemas.microsoft.com/office/powerpoint/2010/main" val="2843226950"/>
+        <p14:creationId xmlns="" xmlns:p14="http://schemas.microsoft.com/office/powerpoint/2010/main" val="2843226950"/>
       </p:ext>
     </p:extLst>
   </p:cSld>
@@ -1906,7 +1906,7 @@
     </p:spTree>
     <p:extLst>
       <p:ext uri="{BB962C8B-B14F-4D97-AF65-F5344CB8AC3E}">
-        <p14:creationId xmlns:p14="http://schemas.microsoft.com/office/powerpoint/2010/main" val="1098513999"/>
+        <p14:creationId xmlns="" xmlns:p14="http://schemas.microsoft.com/office/powerpoint/2010/main" val="1098513999"/>
       </p:ext>
     </p:extLst>
   </p:cSld>
@@ -2049,7 +2049,7 @@
     </p:spTree>
     <p:extLst>
       <p:ext uri="{BB962C8B-B14F-4D97-AF65-F5344CB8AC3E}">
-        <p14:creationId xmlns:p14="http://schemas.microsoft.com/office/powerpoint/2010/main" val="80576801"/>
+        <p14:creationId xmlns="" xmlns:p14="http://schemas.microsoft.com/office/powerpoint/2010/main" val="80576801"/>
       </p:ext>
     </p:extLst>
   </p:cSld>
@@ -2164,7 +2164,7 @@
     </p:spTree>
     <p:extLst>
       <p:ext uri="{BB962C8B-B14F-4D97-AF65-F5344CB8AC3E}">
-        <p14:creationId xmlns:p14="http://schemas.microsoft.com/office/powerpoint/2010/main" val="3557141865"/>
+        <p14:creationId xmlns="" xmlns:p14="http://schemas.microsoft.com/office/powerpoint/2010/main" val="3557141865"/>
       </p:ext>
     </p:extLst>
   </p:cSld>
@@ -2477,7 +2477,7 @@
     </p:spTree>
     <p:extLst>
       <p:ext uri="{BB962C8B-B14F-4D97-AF65-F5344CB8AC3E}">
-        <p14:creationId xmlns:p14="http://schemas.microsoft.com/office/powerpoint/2010/main" val="975770627"/>
+        <p14:creationId xmlns="" xmlns:p14="http://schemas.microsoft.com/office/powerpoint/2010/main" val="975770627"/>
       </p:ext>
     </p:extLst>
   </p:cSld>
@@ -2767,7 +2767,7 @@
     </p:spTree>
     <p:extLst>
       <p:ext uri="{BB962C8B-B14F-4D97-AF65-F5344CB8AC3E}">
-        <p14:creationId xmlns:p14="http://schemas.microsoft.com/office/powerpoint/2010/main" val="3188744165"/>
+        <p14:creationId xmlns="" xmlns:p14="http://schemas.microsoft.com/office/powerpoint/2010/main" val="3188744165"/>
       </p:ext>
     </p:extLst>
   </p:cSld>
@@ -3046,7 +3046,7 @@
     </p:spTree>
     <p:extLst>
       <p:ext uri="{BB962C8B-B14F-4D97-AF65-F5344CB8AC3E}">
-        <p14:creationId xmlns:p14="http://schemas.microsoft.com/office/powerpoint/2010/main" val="590322476"/>
+        <p14:creationId xmlns="" xmlns:p14="http://schemas.microsoft.com/office/powerpoint/2010/main" val="590322476"/>
       </p:ext>
     </p:extLst>
   </p:cSld>
@@ -3765,7 +3765,7 @@
     </p:spTree>
     <p:extLst>
       <p:ext uri="{BB962C8B-B14F-4D97-AF65-F5344CB8AC3E}">
-        <p14:creationId xmlns:p14="http://schemas.microsoft.com/office/powerpoint/2010/main" val="991537918"/>
+        <p14:creationId xmlns="" xmlns:p14="http://schemas.microsoft.com/office/powerpoint/2010/main" val="991537918"/>
       </p:ext>
     </p:extLst>
   </p:cSld>
@@ -3899,7 +3899,7 @@
         </p:nvSpPr>
         <p:spPr>
           <a:xfrm>
-            <a:off x="29028" y="4289445"/>
+            <a:off x="0" y="4265382"/>
             <a:ext cx="12192000" cy="1914940"/>
           </a:xfrm>
           <a:prstGeom prst="rect">
@@ -4582,7 +4582,11 @@
           <a:p>
             <a:r>
               <a:rPr lang="pt-BR" dirty="0" smtClean="0"/>
-              <a:t>REGISTRAR  </a:t>
+              <a:t>RECEBER PEDIDO SOLICITADO </a:t>
+            </a:r>
+            <a:r>
+              <a:rPr lang="pt-BR" dirty="0" smtClean="0"/>
+              <a:t>  </a:t>
             </a:r>
             <a:endParaRPr lang="pt-BR" dirty="0"/>
           </a:p>
@@ -4591,7 +4595,7 @@
     </p:spTree>
     <p:extLst>
       <p:ext uri="{BB962C8B-B14F-4D97-AF65-F5344CB8AC3E}">
-        <p14:creationId xmlns:p14="http://schemas.microsoft.com/office/powerpoint/2010/main" val="404243178"/>
+        <p14:creationId xmlns="" xmlns:p14="http://schemas.microsoft.com/office/powerpoint/2010/main" val="404243178"/>
       </p:ext>
     </p:extLst>
   </p:cSld>
@@ -5185,7 +5189,7 @@
     </p:spTree>
     <p:extLst>
       <p:ext uri="{BB962C8B-B14F-4D97-AF65-F5344CB8AC3E}">
-        <p14:creationId xmlns:p14="http://schemas.microsoft.com/office/powerpoint/2010/main" val="1444537562"/>
+        <p14:creationId xmlns="" xmlns:p14="http://schemas.microsoft.com/office/powerpoint/2010/main" val="1444537562"/>
       </p:ext>
     </p:extLst>
   </p:cSld>
@@ -5467,11 +5471,7 @@
             <a:pPr algn="ctr"/>
             <a:r>
               <a:rPr lang="pt-BR" dirty="0" smtClean="0"/>
-              <a:t>ENTREGA(INTERNA</a:t>
-            </a:r>
-            <a:r>
-              <a:rPr lang="pt-BR" dirty="0" smtClean="0"/>
-              <a:t>)</a:t>
+              <a:t>ENTREGA(INTERNA)</a:t>
             </a:r>
             <a:endParaRPr lang="pt-BR" dirty="0"/>
           </a:p>
@@ -5783,11 +5783,7 @@
             <a:pPr algn="ctr"/>
             <a:r>
               <a:rPr lang="pt-BR" dirty="0" smtClean="0"/>
-              <a:t>ENTREGA(EXTERNA</a:t>
-            </a:r>
-            <a:r>
-              <a:rPr lang="pt-BR" dirty="0" smtClean="0"/>
-              <a:t>)</a:t>
+              <a:t>ENTREGA(EXTERNA)</a:t>
             </a:r>
             <a:endParaRPr lang="pt-BR" dirty="0"/>
           </a:p>
@@ -5868,19 +5864,8 @@
                 <a:latin typeface="Arial" pitchFamily="34" charset="0"/>
                 <a:cs typeface="Arial" pitchFamily="34" charset="0"/>
               </a:rPr>
-              <a:t>  REALIZAR A  ENTREGA </a:t>
-            </a:r>
-            <a:r>
-              <a:rPr lang="pt-BR" sz="1600" dirty="0" smtClean="0">
-                <a:latin typeface="Arial" pitchFamily="34" charset="0"/>
-                <a:cs typeface="Arial" pitchFamily="34" charset="0"/>
-              </a:rPr>
-              <a:t> DO </a:t>
-            </a:r>
-            <a:endParaRPr lang="pt-BR" sz="1600" dirty="0" smtClean="0">
-              <a:latin typeface="Arial" pitchFamily="34" charset="0"/>
-              <a:cs typeface="Arial" pitchFamily="34" charset="0"/>
-            </a:endParaRPr>
+              <a:t>  REALIZAR A  ENTREGA  DO </a:t>
+            </a:r>
           </a:p>
           <a:p>
             <a:r>
@@ -5999,21 +5984,7 @@
                 <a:latin typeface="Arial" pitchFamily="34" charset="0"/>
                 <a:cs typeface="Arial" pitchFamily="34" charset="0"/>
               </a:rPr>
-              <a:t>  REALIZAR A  </a:t>
-            </a:r>
-            <a:r>
-              <a:rPr lang="pt-BR" sz="1600" dirty="0" smtClean="0">
-                <a:latin typeface="Arial" pitchFamily="34" charset="0"/>
-                <a:cs typeface="Arial" pitchFamily="34" charset="0"/>
-              </a:rPr>
-              <a:t>ENTREGA  </a:t>
-            </a:r>
-            <a:r>
-              <a:rPr lang="pt-BR" sz="1600" dirty="0" smtClean="0">
-                <a:latin typeface="Arial" pitchFamily="34" charset="0"/>
-                <a:cs typeface="Arial" pitchFamily="34" charset="0"/>
-              </a:rPr>
-              <a:t>DO PEDIDO</a:t>
+              <a:t>  REALIZAR A  ENTREGA  DO PEDIDO</a:t>
             </a:r>
             <a:endParaRPr lang="pt-BR" sz="1400" dirty="0" smtClean="0">
               <a:latin typeface="Arial" pitchFamily="34" charset="0"/>
@@ -6032,7 +6003,7 @@
     </p:spTree>
     <p:extLst>
       <p:ext uri="{BB962C8B-B14F-4D97-AF65-F5344CB8AC3E}">
-        <p14:creationId xmlns:p14="http://schemas.microsoft.com/office/powerpoint/2010/main" val="4112203041"/>
+        <p14:creationId xmlns="" xmlns:p14="http://schemas.microsoft.com/office/powerpoint/2010/main" val="4112203041"/>
       </p:ext>
     </p:extLst>
   </p:cSld>
@@ -6331,7 +6302,7 @@
   <a:extraClrSchemeLst/>
   <a:extLst>
     <a:ext uri="{05A4C25C-085E-4340-85A3-A5531E510DB2}">
-      <thm15:themeFamily xmlns:thm15="http://schemas.microsoft.com/office/thememl/2012/main" name="Office Theme" id="{62F939B6-93AF-4DB8-9C6B-D6C7DFDC589F}" vid="{4A3C46E8-61CC-4603-A589-7422A47A8E4A}"/>
+      <thm15:themeFamily xmlns="" xmlns:thm15="http://schemas.microsoft.com/office/thememl/2012/main" name="Office Theme" id="{62F939B6-93AF-4DB8-9C6B-D6C7DFDC589F}" vid="{4A3C46E8-61CC-4603-A589-7422A47A8E4A}"/>
     </a:ext>
   </a:extLst>
 </a:theme>
